--- a/Lab/Lab08-Node-Red-Server.pptx
+++ b/Lab/Lab08-Node-Red-Server.pptx
@@ -142,6 +142,10 @@
 </p:presentation>
 </file>
 
+<file path=ppt/revisionInfo.xml><?xml version="1.0" encoding="utf-8"?>
+<p1510:revInfo xmlns:a="http://schemas.openxmlformats.org/drawingml/2006/main" xmlns:r="http://schemas.openxmlformats.org/officeDocument/2006/relationships" xmlns:p1510="http://schemas.microsoft.com/office/powerpoint/2015/10/main"/>
+</file>
+
 <file path=ppt/notesMasters/notesMaster1.xml><?xml version="1.0" encoding="utf-8"?>
 <p:notesMaster xmlns:a="http://schemas.openxmlformats.org/drawingml/2006/main" xmlns:r="http://schemas.openxmlformats.org/officeDocument/2006/relationships" xmlns:p="http://schemas.openxmlformats.org/presentationml/2006/main">
   <p:cSld>
@@ -224,7 +228,7 @@
           <a:p>
             <a:fld id="{CBCD81C8-578C-8149-970B-F5B93A2B5D05}" type="datetimeFigureOut">
               <a:rPr kumimoji="1" lang="zh-TW" altLang="en-US" smtClean="0"/>
-              <a:t>2017/6/17</a:t>
+              <a:t>2017/6/29</a:t>
             </a:fld>
             <a:endParaRPr kumimoji="1" lang="zh-TW" altLang="en-US"/>
           </a:p>
@@ -288,38 +292,37 @@
           <a:p>
             <a:pPr lvl="0"/>
             <a:r>
-              <a:rPr kumimoji="1" lang="zh-TW" altLang="en-US" smtClean="0"/>
+              <a:rPr kumimoji="1" lang="zh-TW" altLang="en-US"/>
               <a:t>按一下以編輯母片文字樣式</a:t>
             </a:r>
           </a:p>
           <a:p>
             <a:pPr lvl="1"/>
             <a:r>
-              <a:rPr kumimoji="1" lang="zh-TW" altLang="en-US" smtClean="0"/>
+              <a:rPr kumimoji="1" lang="zh-TW" altLang="en-US"/>
               <a:t>第二層</a:t>
             </a:r>
           </a:p>
           <a:p>
             <a:pPr lvl="2"/>
             <a:r>
-              <a:rPr kumimoji="1" lang="zh-TW" altLang="en-US" smtClean="0"/>
+              <a:rPr kumimoji="1" lang="zh-TW" altLang="en-US"/>
               <a:t>第三層</a:t>
             </a:r>
           </a:p>
           <a:p>
             <a:pPr lvl="3"/>
             <a:r>
-              <a:rPr kumimoji="1" lang="zh-TW" altLang="en-US" smtClean="0"/>
+              <a:rPr kumimoji="1" lang="zh-TW" altLang="en-US"/>
               <a:t>第四層</a:t>
             </a:r>
           </a:p>
           <a:p>
             <a:pPr lvl="4"/>
             <a:r>
-              <a:rPr kumimoji="1" lang="zh-TW" altLang="en-US" smtClean="0"/>
+              <a:rPr kumimoji="1" lang="zh-TW" altLang="en-US"/>
               <a:t>第五層</a:t>
             </a:r>
-            <a:endParaRPr kumimoji="1" lang="zh-TW" altLang="en-US"/>
           </a:p>
         </p:txBody>
       </p:sp>
@@ -534,7 +537,7 @@
           </a:lstStyle>
           <a:p>
             <a:r>
-              <a:rPr lang="zh-TW" altLang="en-US" smtClean="0"/>
+              <a:rPr lang="zh-TW" altLang="en-US"/>
               <a:t>按一下以編輯母片標題樣式</a:t>
             </a:r>
             <a:endParaRPr lang="en-US" dirty="0"/>
@@ -654,7 +657,7 @@
           </a:lstStyle>
           <a:p>
             <a:r>
-              <a:rPr lang="zh-TW" altLang="en-US" smtClean="0"/>
+              <a:rPr lang="zh-TW" altLang="en-US"/>
               <a:t>按一下以編輯母片副標題樣式</a:t>
             </a:r>
             <a:endParaRPr lang="en-US" dirty="0"/>
@@ -678,7 +681,7 @@
           <a:p>
             <a:fld id="{590D60FE-4938-ED44-AA04-8690F364B3A0}" type="datetimeFigureOut">
               <a:rPr kumimoji="1" lang="zh-TW" altLang="en-US" smtClean="0"/>
-              <a:t>2017/6/17</a:t>
+              <a:t>2017/6/29</a:t>
             </a:fld>
             <a:endParaRPr kumimoji="1" lang="zh-TW" altLang="en-US"/>
           </a:p>
@@ -778,7 +781,7 @@
           </a:lstStyle>
           <a:p>
             <a:r>
-              <a:rPr lang="zh-TW" altLang="en-US" smtClean="0"/>
+              <a:rPr lang="zh-TW" altLang="en-US"/>
               <a:t>按一下以編輯母片標題樣式</a:t>
             </a:r>
             <a:endParaRPr lang="en-US" dirty="0"/>
@@ -857,7 +860,7 @@
           </a:lstStyle>
           <a:p>
             <a:r>
-              <a:rPr lang="zh-TW" altLang="en-US" smtClean="0"/>
+              <a:rPr lang="zh-TW" altLang="en-US"/>
               <a:t>將圖片拖曳至版面配置區或按一下圖示以新增</a:t>
             </a:r>
             <a:endParaRPr lang="en-US" dirty="0"/>
@@ -925,7 +928,7 @@
           <a:p>
             <a:pPr lvl="0"/>
             <a:r>
-              <a:rPr lang="zh-TW" altLang="en-US" smtClean="0"/>
+              <a:rPr lang="zh-TW" altLang="en-US"/>
               <a:t>按一下以編輯母片文字樣式</a:t>
             </a:r>
           </a:p>
@@ -948,7 +951,7 @@
           <a:p>
             <a:fld id="{590D60FE-4938-ED44-AA04-8690F364B3A0}" type="datetimeFigureOut">
               <a:rPr kumimoji="1" lang="zh-TW" altLang="en-US" smtClean="0"/>
-              <a:t>2017/6/17</a:t>
+              <a:t>2017/6/29</a:t>
             </a:fld>
             <a:endParaRPr kumimoji="1" lang="zh-TW" altLang="en-US"/>
           </a:p>
@@ -1046,7 +1049,7 @@
           </a:lstStyle>
           <a:p>
             <a:r>
-              <a:rPr lang="zh-TW" altLang="en-US" smtClean="0"/>
+              <a:rPr lang="zh-TW" altLang="en-US"/>
               <a:t>按一下以編輯母片標題樣式</a:t>
             </a:r>
             <a:endParaRPr lang="en-US" dirty="0"/>
@@ -1114,7 +1117,7 @@
           <a:p>
             <a:pPr lvl="0"/>
             <a:r>
-              <a:rPr lang="zh-TW" altLang="en-US" smtClean="0"/>
+              <a:rPr lang="zh-TW" altLang="en-US"/>
               <a:t>按一下以編輯母片文字樣式</a:t>
             </a:r>
           </a:p>
@@ -1137,7 +1140,7 @@
           <a:p>
             <a:fld id="{590D60FE-4938-ED44-AA04-8690F364B3A0}" type="datetimeFigureOut">
               <a:rPr kumimoji="1" lang="zh-TW" altLang="en-US" smtClean="0"/>
-              <a:t>2017/6/17</a:t>
+              <a:t>2017/6/29</a:t>
             </a:fld>
             <a:endParaRPr kumimoji="1" lang="zh-TW" altLang="en-US"/>
           </a:p>
@@ -1235,7 +1238,7 @@
           </a:lstStyle>
           <a:p>
             <a:r>
-              <a:rPr lang="zh-TW" altLang="en-US" smtClean="0"/>
+              <a:rPr lang="zh-TW" altLang="en-US"/>
               <a:t>按一下以編輯母片標題樣式</a:t>
             </a:r>
             <a:endParaRPr lang="en-US" dirty="0"/>
@@ -1315,7 +1318,7 @@
               <a:buNone/>
             </a:pPr>
             <a:r>
-              <a:rPr lang="zh-TW" altLang="en-US" smtClean="0"/>
+              <a:rPr lang="zh-TW" altLang="en-US"/>
               <a:t>按一下以編輯母片文字樣式</a:t>
             </a:r>
           </a:p>
@@ -1382,7 +1385,7 @@
           <a:p>
             <a:pPr lvl="0"/>
             <a:r>
-              <a:rPr lang="zh-TW" altLang="en-US" smtClean="0"/>
+              <a:rPr lang="zh-TW" altLang="en-US"/>
               <a:t>按一下以編輯母片文字樣式</a:t>
             </a:r>
           </a:p>
@@ -1405,7 +1408,7 @@
           <a:p>
             <a:fld id="{590D60FE-4938-ED44-AA04-8690F364B3A0}" type="datetimeFigureOut">
               <a:rPr kumimoji="1" lang="zh-TW" altLang="en-US" smtClean="0"/>
-              <a:t>2017/6/17</a:t>
+              <a:t>2017/6/29</a:t>
             </a:fld>
             <a:endParaRPr kumimoji="1" lang="zh-TW" altLang="en-US"/>
           </a:p>
@@ -1597,7 +1600,7 @@
           </a:lstStyle>
           <a:p>
             <a:r>
-              <a:rPr lang="zh-TW" altLang="en-US" smtClean="0"/>
+              <a:rPr lang="zh-TW" altLang="en-US"/>
               <a:t>按一下以編輯母片標題樣式</a:t>
             </a:r>
             <a:endParaRPr lang="en-US" dirty="0"/>
@@ -1718,7 +1721,7 @@
           <a:p>
             <a:pPr lvl="0"/>
             <a:r>
-              <a:rPr lang="zh-TW" altLang="en-US" smtClean="0"/>
+              <a:rPr lang="zh-TW" altLang="en-US"/>
               <a:t>按一下以編輯母片文字樣式</a:t>
             </a:r>
           </a:p>
@@ -1741,7 +1744,7 @@
           <a:p>
             <a:fld id="{590D60FE-4938-ED44-AA04-8690F364B3A0}" type="datetimeFigureOut">
               <a:rPr kumimoji="1" lang="zh-TW" altLang="en-US" smtClean="0"/>
-              <a:t>2017/6/17</a:t>
+              <a:t>2017/6/29</a:t>
             </a:fld>
             <a:endParaRPr kumimoji="1" lang="zh-TW" altLang="en-US"/>
           </a:p>
@@ -1834,7 +1837,7 @@
           </a:lstStyle>
           <a:p>
             <a:r>
-              <a:rPr lang="zh-TW" altLang="en-US" smtClean="0"/>
+              <a:rPr lang="zh-TW" altLang="en-US"/>
               <a:t>按一下以編輯母片標題樣式</a:t>
             </a:r>
             <a:endParaRPr lang="en-US" dirty="0"/>
@@ -1909,7 +1912,7 @@
           <a:p>
             <a:pPr lvl="0"/>
             <a:r>
-              <a:rPr lang="zh-TW" altLang="en-US" smtClean="0"/>
+              <a:rPr lang="zh-TW" altLang="en-US"/>
               <a:t>按一下以編輯母片文字樣式</a:t>
             </a:r>
           </a:p>
@@ -1976,7 +1979,7 @@
           <a:p>
             <a:pPr lvl="0"/>
             <a:r>
-              <a:rPr lang="zh-TW" altLang="en-US" smtClean="0"/>
+              <a:rPr lang="zh-TW" altLang="en-US"/>
               <a:t>按一下以編輯母片文字樣式</a:t>
             </a:r>
           </a:p>
@@ -2050,7 +2053,7 @@
           <a:p>
             <a:pPr lvl="0"/>
             <a:r>
-              <a:rPr lang="zh-TW" altLang="en-US" smtClean="0"/>
+              <a:rPr lang="zh-TW" altLang="en-US"/>
               <a:t>按一下以編輯母片文字樣式</a:t>
             </a:r>
           </a:p>
@@ -2117,7 +2120,7 @@
           <a:p>
             <a:pPr lvl="0"/>
             <a:r>
-              <a:rPr lang="zh-TW" altLang="en-US" smtClean="0"/>
+              <a:rPr lang="zh-TW" altLang="en-US"/>
               <a:t>按一下以編輯母片文字樣式</a:t>
             </a:r>
           </a:p>
@@ -2191,7 +2194,7 @@
           <a:p>
             <a:pPr lvl="0"/>
             <a:r>
-              <a:rPr lang="zh-TW" altLang="en-US" smtClean="0"/>
+              <a:rPr lang="zh-TW" altLang="en-US"/>
               <a:t>按一下以編輯母片文字樣式</a:t>
             </a:r>
           </a:p>
@@ -2258,7 +2261,7 @@
           <a:p>
             <a:pPr lvl="0"/>
             <a:r>
-              <a:rPr lang="zh-TW" altLang="en-US" smtClean="0"/>
+              <a:rPr lang="zh-TW" altLang="en-US"/>
               <a:t>按一下以編輯母片文字樣式</a:t>
             </a:r>
           </a:p>
@@ -2359,7 +2362,7 @@
           <a:p>
             <a:fld id="{590D60FE-4938-ED44-AA04-8690F364B3A0}" type="datetimeFigureOut">
               <a:rPr kumimoji="1" lang="zh-TW" altLang="en-US" smtClean="0"/>
-              <a:t>2017/6/17</a:t>
+              <a:t>2017/6/29</a:t>
             </a:fld>
             <a:endParaRPr kumimoji="1" lang="zh-TW" altLang="en-US"/>
           </a:p>
@@ -2452,7 +2455,7 @@
           </a:lstStyle>
           <a:p>
             <a:r>
-              <a:rPr lang="zh-TW" altLang="en-US" smtClean="0"/>
+              <a:rPr lang="zh-TW" altLang="en-US"/>
               <a:t>按一下以編輯母片標題樣式</a:t>
             </a:r>
             <a:endParaRPr lang="en-US" dirty="0"/>
@@ -2527,7 +2530,7 @@
           <a:p>
             <a:pPr lvl="0"/>
             <a:r>
-              <a:rPr lang="zh-TW" altLang="en-US" smtClean="0"/>
+              <a:rPr lang="zh-TW" altLang="en-US"/>
               <a:t>按一下以編輯母片文字樣式</a:t>
             </a:r>
           </a:p>
@@ -2605,7 +2608,7 @@
           </a:lstStyle>
           <a:p>
             <a:r>
-              <a:rPr lang="zh-TW" altLang="en-US" smtClean="0"/>
+              <a:rPr lang="zh-TW" altLang="en-US"/>
               <a:t>將圖片拖曳至版面配置區或按一下圖示以新增</a:t>
             </a:r>
             <a:endParaRPr lang="en-US" dirty="0"/>
@@ -2673,7 +2676,7 @@
           <a:p>
             <a:pPr lvl="0"/>
             <a:r>
-              <a:rPr lang="zh-TW" altLang="en-US" smtClean="0"/>
+              <a:rPr lang="zh-TW" altLang="en-US"/>
               <a:t>按一下以編輯母片文字樣式</a:t>
             </a:r>
           </a:p>
@@ -2747,7 +2750,7 @@
           <a:p>
             <a:pPr lvl="0"/>
             <a:r>
-              <a:rPr lang="zh-TW" altLang="en-US" smtClean="0"/>
+              <a:rPr lang="zh-TW" altLang="en-US"/>
               <a:t>按一下以編輯母片文字樣式</a:t>
             </a:r>
           </a:p>
@@ -2825,7 +2828,7 @@
           </a:lstStyle>
           <a:p>
             <a:r>
-              <a:rPr lang="zh-TW" altLang="en-US" smtClean="0"/>
+              <a:rPr lang="zh-TW" altLang="en-US"/>
               <a:t>將圖片拖曳至版面配置區或按一下圖示以新增</a:t>
             </a:r>
             <a:endParaRPr lang="en-US" dirty="0"/>
@@ -2893,7 +2896,7 @@
           <a:p>
             <a:pPr lvl="0"/>
             <a:r>
-              <a:rPr lang="zh-TW" altLang="en-US" smtClean="0"/>
+              <a:rPr lang="zh-TW" altLang="en-US"/>
               <a:t>按一下以編輯母片文字樣式</a:t>
             </a:r>
           </a:p>
@@ -2967,7 +2970,7 @@
           <a:p>
             <a:pPr lvl="0"/>
             <a:r>
-              <a:rPr lang="zh-TW" altLang="en-US" smtClean="0"/>
+              <a:rPr lang="zh-TW" altLang="en-US"/>
               <a:t>按一下以編輯母片文字樣式</a:t>
             </a:r>
           </a:p>
@@ -3045,7 +3048,7 @@
           </a:lstStyle>
           <a:p>
             <a:r>
-              <a:rPr lang="zh-TW" altLang="en-US" smtClean="0"/>
+              <a:rPr lang="zh-TW" altLang="en-US"/>
               <a:t>將圖片拖曳至版面配置區或按一下圖示以新增</a:t>
             </a:r>
             <a:endParaRPr lang="en-US" dirty="0"/>
@@ -3113,7 +3116,7 @@
           <a:p>
             <a:pPr lvl="0"/>
             <a:r>
-              <a:rPr lang="zh-TW" altLang="en-US" smtClean="0"/>
+              <a:rPr lang="zh-TW" altLang="en-US"/>
               <a:t>按一下以編輯母片文字樣式</a:t>
             </a:r>
           </a:p>
@@ -3214,7 +3217,7 @@
           <a:p>
             <a:fld id="{590D60FE-4938-ED44-AA04-8690F364B3A0}" type="datetimeFigureOut">
               <a:rPr kumimoji="1" lang="zh-TW" altLang="en-US" smtClean="0"/>
-              <a:t>2017/6/17</a:t>
+              <a:t>2017/6/29</a:t>
             </a:fld>
             <a:endParaRPr kumimoji="1" lang="zh-TW" altLang="en-US"/>
           </a:p>
@@ -3303,7 +3306,7 @@
           <a:lstStyle/>
           <a:p>
             <a:r>
-              <a:rPr lang="zh-TW" altLang="en-US" smtClean="0"/>
+              <a:rPr lang="zh-TW" altLang="en-US"/>
               <a:t>按一下以編輯母片標題樣式</a:t>
             </a:r>
             <a:endParaRPr lang="en-US" dirty="0"/>
@@ -3327,35 +3330,35 @@
           <a:p>
             <a:pPr lvl="0"/>
             <a:r>
-              <a:rPr lang="zh-TW" altLang="en-US" smtClean="0"/>
+              <a:rPr lang="zh-TW" altLang="en-US"/>
               <a:t>按一下以編輯母片文字樣式</a:t>
             </a:r>
           </a:p>
           <a:p>
             <a:pPr lvl="1"/>
             <a:r>
-              <a:rPr lang="zh-TW" altLang="en-US" smtClean="0"/>
+              <a:rPr lang="zh-TW" altLang="en-US"/>
               <a:t>第二層</a:t>
             </a:r>
           </a:p>
           <a:p>
             <a:pPr lvl="2"/>
             <a:r>
-              <a:rPr lang="zh-TW" altLang="en-US" smtClean="0"/>
+              <a:rPr lang="zh-TW" altLang="en-US"/>
               <a:t>第三層</a:t>
             </a:r>
           </a:p>
           <a:p>
             <a:pPr lvl="3"/>
             <a:r>
-              <a:rPr lang="zh-TW" altLang="en-US" smtClean="0"/>
+              <a:rPr lang="zh-TW" altLang="en-US"/>
               <a:t>第四層</a:t>
             </a:r>
           </a:p>
           <a:p>
             <a:pPr lvl="4"/>
             <a:r>
-              <a:rPr lang="zh-TW" altLang="en-US" smtClean="0"/>
+              <a:rPr lang="zh-TW" altLang="en-US"/>
               <a:t>第五層</a:t>
             </a:r>
             <a:endParaRPr lang="en-US" dirty="0"/>
@@ -3379,7 +3382,7 @@
           <a:p>
             <a:fld id="{590D60FE-4938-ED44-AA04-8690F364B3A0}" type="datetimeFigureOut">
               <a:rPr kumimoji="1" lang="zh-TW" altLang="en-US" smtClean="0"/>
-              <a:t>2017/6/17</a:t>
+              <a:t>2017/6/29</a:t>
             </a:fld>
             <a:endParaRPr kumimoji="1" lang="zh-TW" altLang="en-US"/>
           </a:p>
@@ -3473,7 +3476,7 @@
           <a:lstStyle/>
           <a:p>
             <a:r>
-              <a:rPr lang="zh-TW" altLang="en-US" smtClean="0"/>
+              <a:rPr lang="zh-TW" altLang="en-US"/>
               <a:t>按一下以編輯母片標題樣式</a:t>
             </a:r>
             <a:endParaRPr lang="en-US" dirty="0"/>
@@ -3502,35 +3505,35 @@
           <a:p>
             <a:pPr lvl="0"/>
             <a:r>
-              <a:rPr lang="zh-TW" altLang="en-US" smtClean="0"/>
+              <a:rPr lang="zh-TW" altLang="en-US"/>
               <a:t>按一下以編輯母片文字樣式</a:t>
             </a:r>
           </a:p>
           <a:p>
             <a:pPr lvl="1"/>
             <a:r>
-              <a:rPr lang="zh-TW" altLang="en-US" smtClean="0"/>
+              <a:rPr lang="zh-TW" altLang="en-US"/>
               <a:t>第二層</a:t>
             </a:r>
           </a:p>
           <a:p>
             <a:pPr lvl="2"/>
             <a:r>
-              <a:rPr lang="zh-TW" altLang="en-US" smtClean="0"/>
+              <a:rPr lang="zh-TW" altLang="en-US"/>
               <a:t>第三層</a:t>
             </a:r>
           </a:p>
           <a:p>
             <a:pPr lvl="3"/>
             <a:r>
-              <a:rPr lang="zh-TW" altLang="en-US" smtClean="0"/>
+              <a:rPr lang="zh-TW" altLang="en-US"/>
               <a:t>第四層</a:t>
             </a:r>
           </a:p>
           <a:p>
             <a:pPr lvl="4"/>
             <a:r>
-              <a:rPr lang="zh-TW" altLang="en-US" smtClean="0"/>
+              <a:rPr lang="zh-TW" altLang="en-US"/>
               <a:t>第五層</a:t>
             </a:r>
             <a:endParaRPr lang="en-US" dirty="0"/>
@@ -3554,7 +3557,7 @@
           <a:p>
             <a:fld id="{590D60FE-4938-ED44-AA04-8690F364B3A0}" type="datetimeFigureOut">
               <a:rPr kumimoji="1" lang="zh-TW" altLang="en-US" smtClean="0"/>
-              <a:t>2017/6/17</a:t>
+              <a:t>2017/6/29</a:t>
             </a:fld>
             <a:endParaRPr kumimoji="1" lang="zh-TW" altLang="en-US"/>
           </a:p>
@@ -3643,7 +3646,7 @@
           <a:lstStyle/>
           <a:p>
             <a:r>
-              <a:rPr lang="zh-TW" altLang="en-US" smtClean="0"/>
+              <a:rPr lang="zh-TW" altLang="en-US"/>
               <a:t>按一下以編輯母片標題樣式</a:t>
             </a:r>
             <a:endParaRPr lang="en-US" dirty="0"/>
@@ -3667,35 +3670,35 @@
           <a:p>
             <a:pPr lvl="0"/>
             <a:r>
-              <a:rPr lang="zh-TW" altLang="en-US" smtClean="0"/>
+              <a:rPr lang="zh-TW" altLang="en-US"/>
               <a:t>按一下以編輯母片文字樣式</a:t>
             </a:r>
           </a:p>
           <a:p>
             <a:pPr lvl="1"/>
             <a:r>
-              <a:rPr lang="zh-TW" altLang="en-US" smtClean="0"/>
+              <a:rPr lang="zh-TW" altLang="en-US"/>
               <a:t>第二層</a:t>
             </a:r>
           </a:p>
           <a:p>
             <a:pPr lvl="2"/>
             <a:r>
-              <a:rPr lang="zh-TW" altLang="en-US" smtClean="0"/>
+              <a:rPr lang="zh-TW" altLang="en-US"/>
               <a:t>第三層</a:t>
             </a:r>
           </a:p>
           <a:p>
             <a:pPr lvl="3"/>
             <a:r>
-              <a:rPr lang="zh-TW" altLang="en-US" smtClean="0"/>
+              <a:rPr lang="zh-TW" altLang="en-US"/>
               <a:t>第四層</a:t>
             </a:r>
           </a:p>
           <a:p>
             <a:pPr lvl="4"/>
             <a:r>
-              <a:rPr lang="zh-TW" altLang="en-US" smtClean="0"/>
+              <a:rPr lang="zh-TW" altLang="en-US"/>
               <a:t>第五層</a:t>
             </a:r>
             <a:endParaRPr lang="en-US" dirty="0"/>
@@ -3719,7 +3722,7 @@
           <a:p>
             <a:fld id="{590D60FE-4938-ED44-AA04-8690F364B3A0}" type="datetimeFigureOut">
               <a:rPr kumimoji="1" lang="zh-TW" altLang="en-US" smtClean="0"/>
-              <a:t>2017/6/17</a:t>
+              <a:t>2017/6/29</a:t>
             </a:fld>
             <a:endParaRPr kumimoji="1" lang="zh-TW" altLang="en-US"/>
           </a:p>
@@ -3817,7 +3820,7 @@
           </a:lstStyle>
           <a:p>
             <a:r>
-              <a:rPr lang="zh-TW" altLang="en-US" smtClean="0"/>
+              <a:rPr lang="zh-TW" altLang="en-US"/>
               <a:t>按一下以編輯母片標題樣式</a:t>
             </a:r>
             <a:endParaRPr lang="en-US" dirty="0"/>
@@ -3938,7 +3941,7 @@
           <a:p>
             <a:pPr lvl="0"/>
             <a:r>
-              <a:rPr lang="zh-TW" altLang="en-US" smtClean="0"/>
+              <a:rPr lang="zh-TW" altLang="en-US"/>
               <a:t>按一下以編輯母片文字樣式</a:t>
             </a:r>
           </a:p>
@@ -3961,7 +3964,7 @@
           <a:p>
             <a:fld id="{590D60FE-4938-ED44-AA04-8690F364B3A0}" type="datetimeFigureOut">
               <a:rPr kumimoji="1" lang="zh-TW" altLang="en-US" smtClean="0"/>
-              <a:t>2017/6/17</a:t>
+              <a:t>2017/6/29</a:t>
             </a:fld>
             <a:endParaRPr kumimoji="1" lang="zh-TW" altLang="en-US"/>
           </a:p>
@@ -4050,7 +4053,7 @@
           <a:lstStyle/>
           <a:p>
             <a:r>
-              <a:rPr lang="zh-TW" altLang="en-US" smtClean="0"/>
+              <a:rPr lang="zh-TW" altLang="en-US"/>
               <a:t>按一下以編輯母片標題樣式</a:t>
             </a:r>
             <a:endParaRPr lang="en-US" dirty="0"/>
@@ -4109,35 +4112,35 @@
           <a:p>
             <a:pPr lvl="0"/>
             <a:r>
-              <a:rPr lang="zh-TW" altLang="en-US" smtClean="0"/>
+              <a:rPr lang="zh-TW" altLang="en-US"/>
               <a:t>按一下以編輯母片文字樣式</a:t>
             </a:r>
           </a:p>
           <a:p>
             <a:pPr lvl="1"/>
             <a:r>
-              <a:rPr lang="zh-TW" altLang="en-US" smtClean="0"/>
+              <a:rPr lang="zh-TW" altLang="en-US"/>
               <a:t>第二層</a:t>
             </a:r>
           </a:p>
           <a:p>
             <a:pPr lvl="2"/>
             <a:r>
-              <a:rPr lang="zh-TW" altLang="en-US" smtClean="0"/>
+              <a:rPr lang="zh-TW" altLang="en-US"/>
               <a:t>第三層</a:t>
             </a:r>
           </a:p>
           <a:p>
             <a:pPr lvl="3"/>
             <a:r>
-              <a:rPr lang="zh-TW" altLang="en-US" smtClean="0"/>
+              <a:rPr lang="zh-TW" altLang="en-US"/>
               <a:t>第四層</a:t>
             </a:r>
           </a:p>
           <a:p>
             <a:pPr lvl="4"/>
             <a:r>
-              <a:rPr lang="zh-TW" altLang="en-US" smtClean="0"/>
+              <a:rPr lang="zh-TW" altLang="en-US"/>
               <a:t>第五層</a:t>
             </a:r>
             <a:endParaRPr lang="en-US" dirty="0"/>
@@ -4196,35 +4199,35 @@
           <a:p>
             <a:pPr lvl="0"/>
             <a:r>
-              <a:rPr lang="zh-TW" altLang="en-US" smtClean="0"/>
+              <a:rPr lang="zh-TW" altLang="en-US"/>
               <a:t>按一下以編輯母片文字樣式</a:t>
             </a:r>
           </a:p>
           <a:p>
             <a:pPr lvl="1"/>
             <a:r>
-              <a:rPr lang="zh-TW" altLang="en-US" smtClean="0"/>
+              <a:rPr lang="zh-TW" altLang="en-US"/>
               <a:t>第二層</a:t>
             </a:r>
           </a:p>
           <a:p>
             <a:pPr lvl="2"/>
             <a:r>
-              <a:rPr lang="zh-TW" altLang="en-US" smtClean="0"/>
+              <a:rPr lang="zh-TW" altLang="en-US"/>
               <a:t>第三層</a:t>
             </a:r>
           </a:p>
           <a:p>
             <a:pPr lvl="3"/>
             <a:r>
-              <a:rPr lang="zh-TW" altLang="en-US" smtClean="0"/>
+              <a:rPr lang="zh-TW" altLang="en-US"/>
               <a:t>第四層</a:t>
             </a:r>
           </a:p>
           <a:p>
             <a:pPr lvl="4"/>
             <a:r>
-              <a:rPr lang="zh-TW" altLang="en-US" smtClean="0"/>
+              <a:rPr lang="zh-TW" altLang="en-US"/>
               <a:t>第五層</a:t>
             </a:r>
             <a:endParaRPr lang="en-US" dirty="0"/>
@@ -4248,7 +4251,7 @@
           <a:p>
             <a:fld id="{590D60FE-4938-ED44-AA04-8690F364B3A0}" type="datetimeFigureOut">
               <a:rPr kumimoji="1" lang="zh-TW" altLang="en-US" smtClean="0"/>
-              <a:t>2017/6/17</a:t>
+              <a:t>2017/6/29</a:t>
             </a:fld>
             <a:endParaRPr kumimoji="1" lang="zh-TW" altLang="en-US"/>
           </a:p>
@@ -4341,7 +4344,7 @@
           </a:lstStyle>
           <a:p>
             <a:r>
-              <a:rPr lang="zh-TW" altLang="en-US" smtClean="0"/>
+              <a:rPr lang="zh-TW" altLang="en-US"/>
               <a:t>按一下以編輯母片標題樣式</a:t>
             </a:r>
             <a:endParaRPr lang="en-US" dirty="0"/>
@@ -4416,7 +4419,7 @@
           <a:p>
             <a:pPr lvl="0"/>
             <a:r>
-              <a:rPr lang="zh-TW" altLang="en-US" smtClean="0"/>
+              <a:rPr lang="zh-TW" altLang="en-US"/>
               <a:t>按一下以編輯母片文字樣式</a:t>
             </a:r>
           </a:p>
@@ -4474,35 +4477,35 @@
           <a:p>
             <a:pPr lvl="0"/>
             <a:r>
-              <a:rPr lang="zh-TW" altLang="en-US" smtClean="0"/>
+              <a:rPr lang="zh-TW" altLang="en-US"/>
               <a:t>按一下以編輯母片文字樣式</a:t>
             </a:r>
           </a:p>
           <a:p>
             <a:pPr lvl="1"/>
             <a:r>
-              <a:rPr lang="zh-TW" altLang="en-US" smtClean="0"/>
+              <a:rPr lang="zh-TW" altLang="en-US"/>
               <a:t>第二層</a:t>
             </a:r>
           </a:p>
           <a:p>
             <a:pPr lvl="2"/>
             <a:r>
-              <a:rPr lang="zh-TW" altLang="en-US" smtClean="0"/>
+              <a:rPr lang="zh-TW" altLang="en-US"/>
               <a:t>第三層</a:t>
             </a:r>
           </a:p>
           <a:p>
             <a:pPr lvl="3"/>
             <a:r>
-              <a:rPr lang="zh-TW" altLang="en-US" smtClean="0"/>
+              <a:rPr lang="zh-TW" altLang="en-US"/>
               <a:t>第四層</a:t>
             </a:r>
           </a:p>
           <a:p>
             <a:pPr lvl="4"/>
             <a:r>
-              <a:rPr lang="zh-TW" altLang="en-US" smtClean="0"/>
+              <a:rPr lang="zh-TW" altLang="en-US"/>
               <a:t>第五層</a:t>
             </a:r>
             <a:endParaRPr lang="en-US" dirty="0"/>
@@ -4577,7 +4580,7 @@
           <a:p>
             <a:pPr lvl="0"/>
             <a:r>
-              <a:rPr lang="zh-TW" altLang="en-US" smtClean="0"/>
+              <a:rPr lang="zh-TW" altLang="en-US"/>
               <a:t>按一下以編輯母片文字樣式</a:t>
             </a:r>
           </a:p>
@@ -4635,35 +4638,35 @@
           <a:p>
             <a:pPr lvl="0"/>
             <a:r>
-              <a:rPr lang="zh-TW" altLang="en-US" smtClean="0"/>
+              <a:rPr lang="zh-TW" altLang="en-US"/>
               <a:t>按一下以編輯母片文字樣式</a:t>
             </a:r>
           </a:p>
           <a:p>
             <a:pPr lvl="1"/>
             <a:r>
-              <a:rPr lang="zh-TW" altLang="en-US" smtClean="0"/>
+              <a:rPr lang="zh-TW" altLang="en-US"/>
               <a:t>第二層</a:t>
             </a:r>
           </a:p>
           <a:p>
             <a:pPr lvl="2"/>
             <a:r>
-              <a:rPr lang="zh-TW" altLang="en-US" smtClean="0"/>
+              <a:rPr lang="zh-TW" altLang="en-US"/>
               <a:t>第三層</a:t>
             </a:r>
           </a:p>
           <a:p>
             <a:pPr lvl="3"/>
             <a:r>
-              <a:rPr lang="zh-TW" altLang="en-US" smtClean="0"/>
+              <a:rPr lang="zh-TW" altLang="en-US"/>
               <a:t>第四層</a:t>
             </a:r>
           </a:p>
           <a:p>
             <a:pPr lvl="4"/>
             <a:r>
-              <a:rPr lang="zh-TW" altLang="en-US" smtClean="0"/>
+              <a:rPr lang="zh-TW" altLang="en-US"/>
               <a:t>第五層</a:t>
             </a:r>
             <a:endParaRPr lang="en-US" dirty="0"/>
@@ -4687,7 +4690,7 @@
           <a:p>
             <a:fld id="{590D60FE-4938-ED44-AA04-8690F364B3A0}" type="datetimeFigureOut">
               <a:rPr kumimoji="1" lang="zh-TW" altLang="en-US" smtClean="0"/>
-              <a:t>2017/6/17</a:t>
+              <a:t>2017/6/29</a:t>
             </a:fld>
             <a:endParaRPr kumimoji="1" lang="zh-TW" altLang="en-US"/>
           </a:p>
@@ -4776,7 +4779,7 @@
           <a:lstStyle/>
           <a:p>
             <a:r>
-              <a:rPr lang="zh-TW" altLang="en-US" smtClean="0"/>
+              <a:rPr lang="zh-TW" altLang="en-US"/>
               <a:t>按一下以編輯母片標題樣式</a:t>
             </a:r>
             <a:endParaRPr lang="en-US" dirty="0"/>
@@ -4800,7 +4803,7 @@
           <a:p>
             <a:fld id="{590D60FE-4938-ED44-AA04-8690F364B3A0}" type="datetimeFigureOut">
               <a:rPr kumimoji="1" lang="zh-TW" altLang="en-US" smtClean="0"/>
-              <a:t>2017/6/17</a:t>
+              <a:t>2017/6/29</a:t>
             </a:fld>
             <a:endParaRPr kumimoji="1" lang="zh-TW" altLang="en-US"/>
           </a:p>
@@ -4890,7 +4893,7 @@
           <a:p>
             <a:fld id="{590D60FE-4938-ED44-AA04-8690F364B3A0}" type="datetimeFigureOut">
               <a:rPr kumimoji="1" lang="zh-TW" altLang="en-US" smtClean="0"/>
-              <a:t>2017/6/17</a:t>
+              <a:t>2017/6/29</a:t>
             </a:fld>
             <a:endParaRPr kumimoji="1" lang="zh-TW" altLang="en-US"/>
           </a:p>
@@ -4988,7 +4991,7 @@
           </a:lstStyle>
           <a:p>
             <a:r>
-              <a:rPr lang="zh-TW" altLang="en-US" smtClean="0"/>
+              <a:rPr lang="zh-TW" altLang="en-US"/>
               <a:t>按一下以編輯母片標題樣式</a:t>
             </a:r>
             <a:endParaRPr lang="en-US" dirty="0"/>
@@ -5047,35 +5050,35 @@
           <a:p>
             <a:pPr lvl="0"/>
             <a:r>
-              <a:rPr lang="zh-TW" altLang="en-US" smtClean="0"/>
+              <a:rPr lang="zh-TW" altLang="en-US"/>
               <a:t>按一下以編輯母片文字樣式</a:t>
             </a:r>
           </a:p>
           <a:p>
             <a:pPr lvl="1"/>
             <a:r>
-              <a:rPr lang="zh-TW" altLang="en-US" smtClean="0"/>
+              <a:rPr lang="zh-TW" altLang="en-US"/>
               <a:t>第二層</a:t>
             </a:r>
           </a:p>
           <a:p>
             <a:pPr lvl="2"/>
             <a:r>
-              <a:rPr lang="zh-TW" altLang="en-US" smtClean="0"/>
+              <a:rPr lang="zh-TW" altLang="en-US"/>
               <a:t>第三層</a:t>
             </a:r>
           </a:p>
           <a:p>
             <a:pPr lvl="3"/>
             <a:r>
-              <a:rPr lang="zh-TW" altLang="en-US" smtClean="0"/>
+              <a:rPr lang="zh-TW" altLang="en-US"/>
               <a:t>第四層</a:t>
             </a:r>
           </a:p>
           <a:p>
             <a:pPr lvl="4"/>
             <a:r>
-              <a:rPr lang="zh-TW" altLang="en-US" smtClean="0"/>
+              <a:rPr lang="zh-TW" altLang="en-US"/>
               <a:t>第五層</a:t>
             </a:r>
             <a:endParaRPr lang="en-US" dirty="0"/>
@@ -5141,7 +5144,7 @@
           <a:p>
             <a:pPr lvl="0"/>
             <a:r>
-              <a:rPr lang="zh-TW" altLang="en-US" smtClean="0"/>
+              <a:rPr lang="zh-TW" altLang="en-US"/>
               <a:t>按一下以編輯母片文字樣式</a:t>
             </a:r>
           </a:p>
@@ -5164,7 +5167,7 @@
           <a:p>
             <a:fld id="{590D60FE-4938-ED44-AA04-8690F364B3A0}" type="datetimeFigureOut">
               <a:rPr kumimoji="1" lang="zh-TW" altLang="en-US" smtClean="0"/>
-              <a:t>2017/6/17</a:t>
+              <a:t>2017/6/29</a:t>
             </a:fld>
             <a:endParaRPr kumimoji="1" lang="zh-TW" altLang="en-US"/>
           </a:p>
@@ -5264,7 +5267,7 @@
           </a:lstStyle>
           <a:p>
             <a:r>
-              <a:rPr lang="zh-TW" altLang="en-US" smtClean="0"/>
+              <a:rPr lang="zh-TW" altLang="en-US"/>
               <a:t>按一下以編輯母片標題樣式</a:t>
             </a:r>
             <a:endParaRPr lang="en-US" dirty="0"/>
@@ -5343,7 +5346,7 @@
           </a:lstStyle>
           <a:p>
             <a:r>
-              <a:rPr lang="zh-TW" altLang="en-US" smtClean="0"/>
+              <a:rPr lang="zh-TW" altLang="en-US"/>
               <a:t>將圖片拖曳至版面配置區或按一下圖示以新增</a:t>
             </a:r>
             <a:endParaRPr lang="en-US" dirty="0"/>
@@ -5411,7 +5414,7 @@
           <a:p>
             <a:pPr lvl="0"/>
             <a:r>
-              <a:rPr lang="zh-TW" altLang="en-US" smtClean="0"/>
+              <a:rPr lang="zh-TW" altLang="en-US"/>
               <a:t>按一下以編輯母片文字樣式</a:t>
             </a:r>
           </a:p>
@@ -5434,7 +5437,7 @@
           <a:p>
             <a:fld id="{590D60FE-4938-ED44-AA04-8690F364B3A0}" type="datetimeFigureOut">
               <a:rPr kumimoji="1" lang="zh-TW" altLang="en-US" smtClean="0"/>
-              <a:t>2017/6/17</a:t>
+              <a:t>2017/6/29</a:t>
             </a:fld>
             <a:endParaRPr kumimoji="1" lang="zh-TW" altLang="en-US"/>
           </a:p>
@@ -5889,7 +5892,7 @@
           <a:lstStyle/>
           <a:p>
             <a:r>
-              <a:rPr lang="zh-TW" altLang="en-US" smtClean="0"/>
+              <a:rPr lang="zh-TW" altLang="en-US" dirty="0"/>
               <a:t>按一下以編輯母片標題樣式</a:t>
             </a:r>
             <a:endParaRPr lang="en-US" dirty="0"/>
@@ -5923,35 +5926,35 @@
           <a:p>
             <a:pPr lvl="0"/>
             <a:r>
-              <a:rPr lang="zh-TW" altLang="en-US" smtClean="0"/>
+              <a:rPr lang="zh-TW" altLang="en-US"/>
               <a:t>按一下以編輯母片文字樣式</a:t>
             </a:r>
           </a:p>
           <a:p>
             <a:pPr lvl="1"/>
             <a:r>
-              <a:rPr lang="zh-TW" altLang="en-US" smtClean="0"/>
+              <a:rPr lang="zh-TW" altLang="en-US"/>
               <a:t>第二層</a:t>
             </a:r>
           </a:p>
           <a:p>
             <a:pPr lvl="2"/>
             <a:r>
-              <a:rPr lang="zh-TW" altLang="en-US" smtClean="0"/>
+              <a:rPr lang="zh-TW" altLang="en-US"/>
               <a:t>第三層</a:t>
             </a:r>
           </a:p>
           <a:p>
             <a:pPr lvl="3"/>
             <a:r>
-              <a:rPr lang="zh-TW" altLang="en-US" smtClean="0"/>
+              <a:rPr lang="zh-TW" altLang="en-US"/>
               <a:t>第四層</a:t>
             </a:r>
           </a:p>
           <a:p>
             <a:pPr lvl="4"/>
             <a:r>
-              <a:rPr lang="zh-TW" altLang="en-US" smtClean="0"/>
+              <a:rPr lang="zh-TW" altLang="en-US"/>
               <a:t>第五層</a:t>
             </a:r>
             <a:endParaRPr lang="en-US" dirty="0"/>
@@ -5988,13 +5991,16 @@
                     <a:alpha val="60000"/>
                   </a:schemeClr>
                 </a:solidFill>
+                <a:latin typeface="微軟正黑體" panose="020B0604030504040204" pitchFamily="34" charset="-120"/>
+                <a:ea typeface="微軟正黑體" panose="020B0604030504040204" pitchFamily="34" charset="-120"/>
               </a:defRPr>
             </a:lvl1pPr>
           </a:lstStyle>
           <a:p>
             <a:fld id="{590D60FE-4938-ED44-AA04-8690F364B3A0}" type="datetimeFigureOut">
               <a:rPr kumimoji="1" lang="zh-TW" altLang="en-US" smtClean="0"/>
-              <a:t>2017/6/17</a:t>
+              <a:pPr/>
+              <a:t>2017/6/29</a:t>
             </a:fld>
             <a:endParaRPr kumimoji="1" lang="zh-TW" altLang="en-US"/>
           </a:p>
@@ -6030,6 +6036,8 @@
                     <a:alpha val="60000"/>
                   </a:schemeClr>
                 </a:solidFill>
+                <a:latin typeface="微軟正黑體" panose="020B0604030504040204" pitchFamily="34" charset="-120"/>
+                <a:ea typeface="微軟正黑體" panose="020B0604030504040204" pitchFamily="34" charset="-120"/>
               </a:defRPr>
             </a:lvl1pPr>
           </a:lstStyle>
@@ -6067,12 +6075,15 @@
                     <a:tint val="75000"/>
                   </a:schemeClr>
                 </a:solidFill>
+                <a:latin typeface="微軟正黑體" panose="020B0604030504040204" pitchFamily="34" charset="-120"/>
+                <a:ea typeface="微軟正黑體" panose="020B0604030504040204" pitchFamily="34" charset="-120"/>
               </a:defRPr>
             </a:lvl1pPr>
           </a:lstStyle>
           <a:p>
             <a:fld id="{82667D18-8D6A-D942-9499-8C3B70855CC5}" type="slidenum">
               <a:rPr kumimoji="1" lang="zh-TW" altLang="en-US" smtClean="0"/>
+              <a:pPr/>
               <a:t>‹#›</a:t>
             </a:fld>
             <a:endParaRPr kumimoji="1" lang="zh-TW" altLang="en-US"/>
@@ -6117,8 +6128,8 @@
           <a:solidFill>
             <a:schemeClr val="tx2"/>
           </a:solidFill>
-          <a:latin typeface="+mj-lt"/>
-          <a:ea typeface="+mj-ea"/>
+          <a:latin typeface="微軟正黑體" panose="020B0604030504040204" pitchFamily="34" charset="-120"/>
+          <a:ea typeface="微軟正黑體" panose="020B0604030504040204" pitchFamily="34" charset="-120"/>
           <a:cs typeface="+mj-cs"/>
         </a:defRPr>
       </a:lvl1pPr>
@@ -6200,8 +6211,8 @@
           <a:solidFill>
             <a:schemeClr val="tx1"/>
           </a:solidFill>
-          <a:latin typeface="+mj-lt"/>
-          <a:ea typeface="+mj-ea"/>
+          <a:latin typeface="微軟正黑體" panose="020B0604030504040204" pitchFamily="34" charset="-120"/>
+          <a:ea typeface="微軟正黑體" panose="020B0604030504040204" pitchFamily="34" charset="-120"/>
           <a:cs typeface="+mj-cs"/>
         </a:defRPr>
       </a:lvl1pPr>
@@ -6225,8 +6236,8 @@
           <a:solidFill>
             <a:schemeClr val="tx1"/>
           </a:solidFill>
-          <a:latin typeface="+mj-lt"/>
-          <a:ea typeface="+mj-ea"/>
+          <a:latin typeface="微軟正黑體" panose="020B0604030504040204" pitchFamily="34" charset="-120"/>
+          <a:ea typeface="微軟正黑體" panose="020B0604030504040204" pitchFamily="34" charset="-120"/>
           <a:cs typeface="+mj-cs"/>
         </a:defRPr>
       </a:lvl2pPr>
@@ -6250,8 +6261,8 @@
           <a:solidFill>
             <a:schemeClr val="tx1"/>
           </a:solidFill>
-          <a:latin typeface="+mj-lt"/>
-          <a:ea typeface="+mj-ea"/>
+          <a:latin typeface="微軟正黑體" panose="020B0604030504040204" pitchFamily="34" charset="-120"/>
+          <a:ea typeface="微軟正黑體" panose="020B0604030504040204" pitchFamily="34" charset="-120"/>
           <a:cs typeface="+mj-cs"/>
         </a:defRPr>
       </a:lvl3pPr>
@@ -6275,8 +6286,8 @@
           <a:solidFill>
             <a:schemeClr val="tx1"/>
           </a:solidFill>
-          <a:latin typeface="+mj-lt"/>
-          <a:ea typeface="+mj-ea"/>
+          <a:latin typeface="微軟正黑體" panose="020B0604030504040204" pitchFamily="34" charset="-120"/>
+          <a:ea typeface="微軟正黑體" panose="020B0604030504040204" pitchFamily="34" charset="-120"/>
           <a:cs typeface="+mj-cs"/>
         </a:defRPr>
       </a:lvl4pPr>
@@ -6300,8 +6311,8 @@
           <a:solidFill>
             <a:schemeClr val="tx1"/>
           </a:solidFill>
-          <a:latin typeface="+mj-lt"/>
-          <a:ea typeface="+mj-ea"/>
+          <a:latin typeface="微軟正黑體" panose="020B0604030504040204" pitchFamily="34" charset="-120"/>
+          <a:ea typeface="微軟正黑體" panose="020B0604030504040204" pitchFamily="34" charset="-120"/>
           <a:cs typeface="+mj-cs"/>
         </a:defRPr>
       </a:lvl5pPr>
@@ -6543,29 +6554,25 @@
           <a:lstStyle/>
           <a:p>
             <a:r>
-              <a:rPr kumimoji="1" lang="zh-TW" altLang="en-US" dirty="0" smtClean="0"/>
+              <a:rPr kumimoji="1" lang="zh-TW" altLang="en-US" dirty="0"/>
               <a:t>嵌入式系統</a:t>
             </a:r>
-            <a:r>
-              <a:rPr kumimoji="1" lang="en-US" altLang="zh-TW" dirty="0" smtClean="0"/>
-              <a:t/>
-            </a:r>
             <a:br>
-              <a:rPr kumimoji="1" lang="en-US" altLang="zh-TW" dirty="0" smtClean="0"/>
+              <a:rPr kumimoji="1" lang="en-US" altLang="zh-TW" dirty="0"/>
             </a:br>
-            <a:r>
-              <a:rPr kumimoji="1" lang="en-US" altLang="zh-TW" dirty="0" smtClean="0"/>
-              <a:t/>
-            </a:r>
             <a:br>
-              <a:rPr kumimoji="1" lang="en-US" altLang="zh-TW" dirty="0" smtClean="0"/>
+              <a:rPr kumimoji="1" lang="en-US" altLang="zh-TW"/>
             </a:br>
             <a:r>
-              <a:rPr kumimoji="1" lang="zh-TW" altLang="en-US" dirty="0" smtClean="0"/>
+              <a:rPr kumimoji="1" lang="en-US" altLang="zh-TW"/>
+              <a:t>Lab 08: </a:t>
+            </a:r>
+            <a:r>
+              <a:rPr kumimoji="1" lang="zh-TW" altLang="en-US"/>
               <a:t>使用</a:t>
             </a:r>
             <a:r>
-              <a:rPr kumimoji="1" lang="en-US" altLang="zh-TW" dirty="0" smtClean="0"/>
+              <a:rPr kumimoji="1" lang="en-US" altLang="zh-TW" dirty="0"/>
               <a:t> Node-Red Web service </a:t>
             </a:r>
             <a:r>
@@ -6574,11 +6581,7 @@
             </a:r>
             <a:r>
               <a:rPr kumimoji="1" lang="en-US" altLang="zh-TW" dirty="0"/>
-              <a:t> </a:t>
-            </a:r>
-            <a:r>
-              <a:rPr kumimoji="1" lang="en-US" altLang="zh-TW" dirty="0" smtClean="0"/>
-              <a:t>GPIO</a:t>
+              <a:t> GPIO</a:t>
             </a:r>
             <a:endParaRPr kumimoji="1" lang="zh-TW" altLang="en-US" dirty="0"/>
           </a:p>
@@ -6600,18 +6603,17 @@
           <a:lstStyle/>
           <a:p>
             <a:r>
-              <a:rPr kumimoji="1" lang="zh-TW" altLang="en-US" dirty="0" smtClean="0"/>
+              <a:rPr kumimoji="1" lang="zh-TW" altLang="en-US" dirty="0"/>
               <a:t>銘傳大學 電腦與通訊工程學系</a:t>
             </a:r>
             <a:r>
-              <a:rPr kumimoji="1" lang="en-US" altLang="zh-TW" dirty="0" smtClean="0"/>
+              <a:rPr kumimoji="1" lang="en-US" altLang="zh-TW" dirty="0"/>
               <a:t>  </a:t>
             </a:r>
             <a:r>
-              <a:rPr kumimoji="1" lang="zh-TW" altLang="en-US" dirty="0" smtClean="0"/>
+              <a:rPr kumimoji="1" lang="zh-TW" altLang="en-US" dirty="0"/>
               <a:t>羅嘉寧</a:t>
             </a:r>
-            <a:endParaRPr kumimoji="1" lang="zh-TW" altLang="en-US" dirty="0"/>
           </a:p>
         </p:txBody>
       </p:sp>
@@ -6666,11 +6668,7 @@
             </a:r>
             <a:r>
               <a:rPr kumimoji="1" lang="en-US" altLang="zh-TW" dirty="0"/>
-              <a:t> </a:t>
-            </a:r>
-            <a:r>
-              <a:rPr kumimoji="1" lang="en-US" altLang="zh-TW" dirty="0" smtClean="0"/>
-              <a:t>GPIO</a:t>
+              <a:t> GPIO</a:t>
             </a:r>
             <a:endParaRPr kumimoji="1" lang="zh-TW" altLang="en-US" dirty="0"/>
           </a:p>
@@ -6697,23 +6695,23 @@
           <a:lstStyle/>
           <a:p>
             <a:r>
-              <a:rPr kumimoji="1" lang="en-US" altLang="zh-TW" dirty="0" err="1" smtClean="0"/>
+              <a:rPr kumimoji="1" lang="en-US" altLang="zh-TW" dirty="0" err="1"/>
               <a:t>Raspberry_Pi</a:t>
             </a:r>
             <a:r>
-              <a:rPr kumimoji="1" lang="en-US" altLang="zh-TW" dirty="0" smtClean="0"/>
+              <a:rPr kumimoji="1" lang="en-US" altLang="zh-TW" dirty="0"/>
               <a:t> -&gt; </a:t>
             </a:r>
             <a:r>
-              <a:rPr kumimoji="1" lang="en-US" altLang="zh-TW" dirty="0" err="1" smtClean="0"/>
+              <a:rPr kumimoji="1" lang="en-US" altLang="zh-TW" dirty="0" err="1"/>
               <a:t>rpi</a:t>
             </a:r>
             <a:r>
-              <a:rPr kumimoji="1" lang="en-US" altLang="zh-TW" dirty="0" smtClean="0"/>
+              <a:rPr kumimoji="1" lang="en-US" altLang="zh-TW" dirty="0"/>
               <a:t> </a:t>
             </a:r>
             <a:r>
-              <a:rPr kumimoji="1" lang="en-US" altLang="zh-TW" dirty="0" err="1" smtClean="0"/>
+              <a:rPr kumimoji="1" lang="en-US" altLang="zh-TW" dirty="0" err="1"/>
               <a:t>gpio</a:t>
             </a:r>
             <a:endParaRPr kumimoji="1" lang="zh-TW" altLang="en-US" dirty="0"/>
@@ -6826,18 +6824,17 @@
           <a:lstStyle/>
           <a:p>
             <a:r>
-              <a:rPr kumimoji="1" lang="zh-TW" altLang="en-US" dirty="0" smtClean="0"/>
+              <a:rPr kumimoji="1" lang="zh-TW" altLang="en-US" dirty="0"/>
               <a:t>將</a:t>
             </a:r>
             <a:r>
-              <a:rPr kumimoji="1" lang="en-US" altLang="zh-TW" dirty="0" smtClean="0"/>
+              <a:rPr kumimoji="1" lang="en-US" altLang="zh-TW" dirty="0"/>
               <a:t> GPIO4 </a:t>
             </a:r>
             <a:r>
-              <a:rPr kumimoji="1" lang="zh-TW" altLang="en-US" dirty="0" smtClean="0"/>
+              <a:rPr kumimoji="1" lang="zh-TW" altLang="en-US" dirty="0"/>
               <a:t>存入變數</a:t>
             </a:r>
-            <a:endParaRPr kumimoji="1" lang="zh-TW" altLang="en-US" dirty="0"/>
           </a:p>
         </p:txBody>
       </p:sp>
@@ -6916,18 +6913,17 @@
           <a:lstStyle/>
           <a:p>
             <a:r>
-              <a:rPr kumimoji="1" lang="zh-TW" altLang="en-US" dirty="0" smtClean="0"/>
+              <a:rPr kumimoji="1" lang="zh-TW" altLang="en-US" dirty="0"/>
               <a:t>讀取</a:t>
             </a:r>
             <a:r>
-              <a:rPr kumimoji="1" lang="en-US" altLang="zh-TW" dirty="0" smtClean="0"/>
+              <a:rPr kumimoji="1" lang="en-US" altLang="zh-TW" dirty="0"/>
               <a:t> GPIO </a:t>
             </a:r>
             <a:r>
-              <a:rPr kumimoji="1" lang="zh-TW" altLang="en-US" dirty="0" smtClean="0"/>
+              <a:rPr kumimoji="1" lang="zh-TW" altLang="en-US" dirty="0"/>
               <a:t>變數</a:t>
             </a:r>
-            <a:endParaRPr kumimoji="1" lang="zh-TW" altLang="en-US" dirty="0"/>
           </a:p>
         </p:txBody>
       </p:sp>
@@ -7006,10 +7002,9 @@
           <a:lstStyle/>
           <a:p>
             <a:r>
-              <a:rPr kumimoji="1" lang="zh-TW" altLang="en-US" dirty="0" smtClean="0"/>
+              <a:rPr kumimoji="1" lang="zh-TW" altLang="en-US" dirty="0"/>
               <a:t>回傳</a:t>
             </a:r>
-            <a:endParaRPr kumimoji="1" lang="zh-TW" altLang="en-US" dirty="0"/>
           </a:p>
         </p:txBody>
       </p:sp>
@@ -7029,7 +7024,7 @@
           <a:lstStyle/>
           <a:p>
             <a:r>
-              <a:rPr kumimoji="1" lang="en-US" altLang="zh-TW" dirty="0" smtClean="0"/>
+              <a:rPr kumimoji="1" lang="en-US" altLang="zh-TW" dirty="0"/>
               <a:t>Output -&gt; http response</a:t>
             </a:r>
             <a:endParaRPr kumimoji="1" lang="zh-TW" altLang="en-US" dirty="0"/>
@@ -7112,7 +7107,7 @@
           <a:lstStyle/>
           <a:p>
             <a:r>
-              <a:rPr kumimoji="1" lang="en-US" altLang="zh-TW" dirty="0" smtClean="0"/>
+              <a:rPr kumimoji="1" lang="en-US" altLang="zh-TW" dirty="0"/>
               <a:t>CHECK POINT 1</a:t>
             </a:r>
             <a:endParaRPr kumimoji="1" lang="zh-TW" altLang="en-US" dirty="0"/>
@@ -7135,20 +7130,19 @@
           <a:lstStyle/>
           <a:p>
             <a:r>
-              <a:rPr kumimoji="1" lang="en-US" altLang="zh-TW" dirty="0" smtClean="0">
+              <a:rPr kumimoji="1" lang="en-US" altLang="zh-TW" dirty="0">
                 <a:hlinkClick r:id="rId2"/>
               </a:rPr>
               <a:t>http://raspberrypi.loca:1880/pin4</a:t>
             </a:r>
             <a:r>
-              <a:rPr kumimoji="1" lang="en-US" altLang="zh-TW" dirty="0" smtClean="0"/>
+              <a:rPr kumimoji="1" lang="en-US" altLang="zh-TW" dirty="0"/>
               <a:t> </a:t>
             </a:r>
             <a:r>
-              <a:rPr kumimoji="1" lang="zh-TW" altLang="en-US" dirty="0" smtClean="0"/>
+              <a:rPr kumimoji="1" lang="zh-TW" altLang="en-US" dirty="0"/>
               <a:t>可讀取開關狀態</a:t>
             </a:r>
-            <a:endParaRPr kumimoji="1" lang="zh-TW" altLang="en-US" dirty="0"/>
           </a:p>
         </p:txBody>
       </p:sp>
@@ -7198,19 +7192,19 @@
           <a:lstStyle/>
           <a:p>
             <a:r>
-              <a:rPr kumimoji="1" lang="zh-TW" altLang="en-US" dirty="0" smtClean="0"/>
+              <a:rPr kumimoji="1" lang="zh-TW" altLang="en-US" dirty="0"/>
               <a:t>由</a:t>
             </a:r>
             <a:r>
-              <a:rPr kumimoji="1" lang="en-US" altLang="zh-TW" dirty="0" smtClean="0"/>
+              <a:rPr kumimoji="1" lang="en-US" altLang="zh-TW" dirty="0"/>
               <a:t> Webserver </a:t>
             </a:r>
             <a:r>
-              <a:rPr kumimoji="1" lang="zh-TW" altLang="en-US" dirty="0" smtClean="0"/>
+              <a:rPr kumimoji="1" lang="zh-TW" altLang="en-US" dirty="0"/>
               <a:t>設定</a:t>
             </a:r>
             <a:r>
-              <a:rPr kumimoji="1" lang="en-US" altLang="zh-TW" dirty="0" smtClean="0"/>
+              <a:rPr kumimoji="1" lang="en-US" altLang="zh-TW" dirty="0"/>
               <a:t> GPIO</a:t>
             </a:r>
             <a:endParaRPr kumimoji="1" lang="zh-TW" altLang="en-US" dirty="0"/>
@@ -7282,7 +7276,7 @@
           <a:lstStyle/>
           <a:p>
             <a:r>
-              <a:rPr kumimoji="1" lang="en-US" altLang="zh-TW" dirty="0" smtClean="0"/>
+              <a:rPr kumimoji="1" lang="en-US" altLang="zh-TW" dirty="0"/>
               <a:t>Start web service</a:t>
             </a:r>
             <a:endParaRPr kumimoji="1" lang="zh-TW" altLang="en-US" dirty="0"/>
@@ -7339,7 +7333,7 @@
           <a:lstStyle/>
           <a:p>
             <a:r>
-              <a:rPr kumimoji="1" lang="en-US" altLang="zh-TW" dirty="0" smtClean="0"/>
+              <a:rPr kumimoji="1" lang="en-US" altLang="zh-TW" dirty="0"/>
               <a:t>URL: http://raspberrypi.local:1880/setgpio5</a:t>
             </a:r>
             <a:endParaRPr kumimoji="1" lang="zh-TW" altLang="en-US" dirty="0"/>
@@ -7405,11 +7399,7 @@
             </a:r>
             <a:r>
               <a:rPr kumimoji="1" lang="en-US" altLang="zh-TW" dirty="0"/>
-              <a:t> </a:t>
-            </a:r>
-            <a:r>
-              <a:rPr kumimoji="1" lang="en-US" altLang="zh-TW" dirty="0" smtClean="0"/>
-              <a:t>HIGH</a:t>
+              <a:t> HIGH</a:t>
             </a:r>
             <a:endParaRPr kumimoji="1" lang="zh-TW" altLang="en-US" dirty="0"/>
           </a:p>
@@ -7465,15 +7455,15 @@
           <a:lstStyle/>
           <a:p>
             <a:r>
-              <a:rPr kumimoji="1" lang="en-US" altLang="zh-TW" dirty="0" smtClean="0"/>
+              <a:rPr kumimoji="1" lang="en-US" altLang="zh-TW" dirty="0"/>
               <a:t>Function:  </a:t>
             </a:r>
             <a:r>
-              <a:rPr kumimoji="1" lang="en-US" altLang="zh-TW" dirty="0" err="1" smtClean="0"/>
+              <a:rPr kumimoji="1" lang="en-US" altLang="zh-TW" dirty="0" err="1"/>
               <a:t>msg.payload</a:t>
             </a:r>
             <a:r>
-              <a:rPr kumimoji="1" lang="en-US" altLang="zh-TW" dirty="0" smtClean="0"/>
+              <a:rPr kumimoji="1" lang="en-US" altLang="zh-TW" dirty="0"/>
               <a:t> = 1</a:t>
             </a:r>
             <a:endParaRPr kumimoji="1" lang="zh-TW" altLang="en-US" dirty="0"/>
@@ -7526,11 +7516,11 @@
           <a:lstStyle/>
           <a:p>
             <a:r>
-              <a:rPr kumimoji="1" lang="zh-TW" altLang="en-US" dirty="0" smtClean="0"/>
+              <a:rPr kumimoji="1" lang="zh-TW" altLang="en-US" dirty="0"/>
               <a:t>輸出</a:t>
             </a:r>
             <a:r>
-              <a:rPr kumimoji="1" lang="en-US" altLang="zh-TW" dirty="0" smtClean="0"/>
+              <a:rPr kumimoji="1" lang="en-US" altLang="zh-TW" dirty="0"/>
               <a:t> GPIO5</a:t>
             </a:r>
             <a:endParaRPr kumimoji="1" lang="zh-TW" altLang="en-US" dirty="0"/>
@@ -7587,7 +7577,7 @@
           <a:lstStyle/>
           <a:p>
             <a:r>
-              <a:rPr kumimoji="1" lang="en-US" altLang="zh-TW" smtClean="0"/>
+              <a:rPr kumimoji="1" lang="en-US" altLang="zh-TW"/>
               <a:t>Gpio_out</a:t>
             </a:r>
             <a:endParaRPr kumimoji="1" lang="zh-TW" altLang="en-US" dirty="0"/>
@@ -7649,10 +7639,9 @@
               <a:t> </a:t>
             </a:r>
             <a:r>
-              <a:rPr kumimoji="1" lang="zh-TW" altLang="en-US" dirty="0" smtClean="0"/>
+              <a:rPr kumimoji="1" lang="zh-TW" altLang="en-US" dirty="0"/>
               <a:t>設定回傳值</a:t>
             </a:r>
-            <a:endParaRPr kumimoji="1" lang="zh-TW" altLang="en-US" dirty="0"/>
           </a:p>
         </p:txBody>
       </p:sp>
@@ -7731,23 +7720,19 @@
           <a:lstStyle/>
           <a:p>
             <a:r>
-              <a:rPr kumimoji="1" lang="zh-TW" altLang="en-US" dirty="0" smtClean="0"/>
+              <a:rPr kumimoji="1" lang="zh-TW" altLang="en-US" dirty="0"/>
               <a:t>使用</a:t>
             </a:r>
             <a:r>
-              <a:rPr kumimoji="1" lang="en-US" altLang="zh-TW" dirty="0" smtClean="0"/>
-              <a:t> </a:t>
-            </a:r>
-            <a:r>
-              <a:rPr kumimoji="1" lang="en-US" altLang="zh-TW" dirty="0" smtClean="0"/>
-              <a:t>Node-Red Web service </a:t>
-            </a:r>
-            <a:r>
-              <a:rPr kumimoji="1" lang="zh-TW" altLang="en-US" dirty="0" smtClean="0"/>
+              <a:rPr kumimoji="1" lang="en-US" altLang="zh-TW" dirty="0"/>
+              <a:t> Node-Red Web service </a:t>
+            </a:r>
+            <a:r>
+              <a:rPr kumimoji="1" lang="zh-TW" altLang="en-US" dirty="0"/>
               <a:t>控制</a:t>
             </a:r>
             <a:r>
-              <a:rPr kumimoji="1" lang="en-US" altLang="zh-TW" dirty="0" smtClean="0"/>
+              <a:rPr kumimoji="1" lang="en-US" altLang="zh-TW" dirty="0"/>
               <a:t> GPIO</a:t>
             </a:r>
             <a:endParaRPr kumimoji="1" lang="zh-TW" altLang="en-US" dirty="0"/>
@@ -7819,10 +7804,9 @@
           <a:lstStyle/>
           <a:p>
             <a:r>
-              <a:rPr kumimoji="1" lang="zh-TW" altLang="en-US" dirty="0" smtClean="0"/>
+              <a:rPr kumimoji="1" lang="zh-TW" altLang="en-US" dirty="0"/>
               <a:t>回傳</a:t>
             </a:r>
-            <a:endParaRPr kumimoji="1" lang="zh-TW" altLang="en-US" dirty="0"/>
           </a:p>
         </p:txBody>
       </p:sp>
@@ -7847,11 +7831,11 @@
           <a:lstStyle/>
           <a:p>
             <a:r>
-              <a:rPr kumimoji="1" lang="zh-TW" altLang="en-US" dirty="0" smtClean="0"/>
+              <a:rPr kumimoji="1" lang="zh-TW" altLang="en-US" dirty="0"/>
               <a:t>加入</a:t>
             </a:r>
             <a:r>
-              <a:rPr kumimoji="1" lang="en-US" altLang="zh-TW" dirty="0" smtClean="0"/>
+              <a:rPr kumimoji="1" lang="en-US" altLang="zh-TW" dirty="0"/>
               <a:t> http response, debug</a:t>
             </a:r>
             <a:endParaRPr kumimoji="1" lang="zh-TW" altLang="en-US" dirty="0"/>
@@ -7934,7 +7918,7 @@
           <a:lstStyle/>
           <a:p>
             <a:r>
-              <a:rPr kumimoji="1" lang="en-US" altLang="zh-TW" dirty="0" smtClean="0"/>
+              <a:rPr kumimoji="1" lang="en-US" altLang="zh-TW" dirty="0"/>
               <a:t>Test</a:t>
             </a:r>
             <a:endParaRPr kumimoji="1" lang="zh-TW" altLang="en-US" dirty="0"/>
@@ -8050,7 +8034,7 @@
           <a:lstStyle/>
           <a:p>
             <a:r>
-              <a:rPr kumimoji="1" lang="en-US" altLang="zh-TW" dirty="0" smtClean="0"/>
+              <a:rPr kumimoji="1" lang="en-US" altLang="zh-TW" dirty="0"/>
               <a:t>Start another web service</a:t>
             </a:r>
             <a:endParaRPr kumimoji="1" lang="zh-TW" altLang="en-US" dirty="0"/>
@@ -8108,11 +8092,7 @@
           <a:p>
             <a:r>
               <a:rPr kumimoji="1" lang="en-US" altLang="zh-TW" dirty="0"/>
-              <a:t>URL: http://</a:t>
-            </a:r>
-            <a:r>
-              <a:rPr kumimoji="1" lang="en-US" altLang="zh-TW" dirty="0" smtClean="0"/>
-              <a:t>raspberrypi.local:1880/clear5</a:t>
+              <a:t>URL: http://raspberrypi.local:1880/clear5</a:t>
             </a:r>
             <a:endParaRPr kumimoji="1" lang="zh-TW" altLang="en-US" dirty="0"/>
           </a:p>
@@ -8261,10 +8241,9 @@
           <a:lstStyle/>
           <a:p>
             <a:r>
-              <a:rPr kumimoji="1" lang="zh-TW" altLang="en-US" dirty="0" smtClean="0"/>
+              <a:rPr kumimoji="1" lang="zh-TW" altLang="en-US" dirty="0"/>
               <a:t>輸出</a:t>
             </a:r>
-            <a:endParaRPr kumimoji="1" lang="zh-TW" altLang="en-US" dirty="0"/>
           </a:p>
         </p:txBody>
       </p:sp>
@@ -8343,10 +8322,9 @@
           <a:lstStyle/>
           <a:p>
             <a:r>
-              <a:rPr kumimoji="1" lang="zh-TW" altLang="en-US" dirty="0" smtClean="0"/>
+              <a:rPr kumimoji="1" lang="zh-TW" altLang="en-US" dirty="0"/>
               <a:t>設定回傳值</a:t>
             </a:r>
-            <a:endParaRPr kumimoji="1" lang="zh-TW" altLang="en-US" dirty="0"/>
           </a:p>
         </p:txBody>
       </p:sp>
@@ -8371,11 +8349,11 @@
           <a:lstStyle/>
           <a:p>
             <a:r>
-              <a:rPr kumimoji="1" lang="zh-TW" altLang="en-US" dirty="0" smtClean="0"/>
+              <a:rPr kumimoji="1" lang="zh-TW" altLang="en-US" dirty="0"/>
               <a:t>另一個</a:t>
             </a:r>
             <a:r>
-              <a:rPr kumimoji="1" lang="en-US" altLang="zh-TW" dirty="0" smtClean="0"/>
+              <a:rPr kumimoji="1" lang="en-US" altLang="zh-TW" dirty="0"/>
               <a:t> function</a:t>
             </a:r>
             <a:endParaRPr kumimoji="1" lang="zh-TW" altLang="en-US" dirty="0"/>
@@ -8457,10 +8435,9 @@
           <a:lstStyle/>
           <a:p>
             <a:r>
-              <a:rPr kumimoji="1" lang="zh-TW" altLang="en-US" dirty="0" smtClean="0"/>
+              <a:rPr kumimoji="1" lang="zh-TW" altLang="en-US" dirty="0"/>
               <a:t>回傳</a:t>
             </a:r>
-            <a:endParaRPr kumimoji="1" lang="zh-TW" altLang="en-US" dirty="0"/>
           </a:p>
         </p:txBody>
       </p:sp>
@@ -8540,7 +8517,7 @@
           <a:lstStyle/>
           <a:p>
             <a:r>
-              <a:rPr kumimoji="1" lang="en-US" altLang="zh-TW" dirty="0" smtClean="0"/>
+              <a:rPr kumimoji="1" lang="en-US" altLang="zh-TW" dirty="0"/>
               <a:t>Test</a:t>
             </a:r>
             <a:endParaRPr kumimoji="1" lang="zh-TW" altLang="en-US" dirty="0"/>
@@ -8654,7 +8631,7 @@
           <a:lstStyle/>
           <a:p>
             <a:r>
-              <a:rPr kumimoji="1" lang="en-US" altLang="zh-TW" dirty="0" smtClean="0"/>
+              <a:rPr kumimoji="1" lang="en-US" altLang="zh-TW" dirty="0"/>
               <a:t>CHECK POINT 2</a:t>
             </a:r>
             <a:endParaRPr kumimoji="1" lang="zh-TW" altLang="en-US" dirty="0"/>
@@ -8679,56 +8656,40 @@
           <a:lstStyle/>
           <a:p>
             <a:r>
-              <a:rPr kumimoji="1" lang="zh-TW" altLang="en-US" dirty="0" smtClean="0">
+              <a:rPr kumimoji="1" lang="zh-TW" altLang="en-US" dirty="0">
                 <a:hlinkClick r:id="rId2"/>
               </a:rPr>
               <a:t>設定</a:t>
             </a:r>
             <a:r>
-              <a:rPr kumimoji="1" lang="en-US" altLang="zh-TW" dirty="0" smtClean="0">
+              <a:rPr kumimoji="1" lang="en-US" altLang="zh-TW" dirty="0">
                 <a:hlinkClick r:id="rId2"/>
               </a:rPr>
               <a:t> LED </a:t>
             </a:r>
             <a:r>
-              <a:rPr kumimoji="1" lang="zh-TW" altLang="en-US" dirty="0" smtClean="0">
+              <a:rPr kumimoji="1" lang="zh-TW" altLang="en-US" dirty="0">
                 <a:hlinkClick r:id="rId2"/>
               </a:rPr>
               <a:t>狀態</a:t>
             </a:r>
-            <a:endParaRPr kumimoji="1" lang="en-US" altLang="zh-TW" dirty="0" smtClean="0">
+            <a:endParaRPr kumimoji="1" lang="en-US" altLang="zh-TW" dirty="0">
               <a:hlinkClick r:id="rId2"/>
             </a:endParaRPr>
           </a:p>
           <a:p>
-            <a:r>
-              <a:rPr kumimoji="1" lang="en-US" altLang="zh-TW" dirty="0" smtClean="0">
-                <a:hlinkClick r:id="rId2"/>
-              </a:rPr>
-              <a:t>http</a:t>
-            </a:r>
             <a:r>
               <a:rPr kumimoji="1" lang="en-US" altLang="zh-TW" dirty="0">
                 <a:hlinkClick r:id="rId2"/>
               </a:rPr>
-              <a:t>://</a:t>
-            </a:r>
-            <a:r>
-              <a:rPr kumimoji="1" lang="en-US" altLang="zh-TW" dirty="0" smtClean="0">
-                <a:hlinkClick r:id="rId2"/>
-              </a:rPr>
-              <a:t>raspberrypi.local:1880/setgpio5</a:t>
-            </a:r>
-            <a:endParaRPr kumimoji="1" lang="en-US" altLang="zh-TW" dirty="0" smtClean="0"/>
-          </a:p>
-          <a:p>
-            <a:r>
-              <a:rPr kumimoji="1" lang="en-US" altLang="zh-TW" dirty="0" smtClean="0"/>
-              <a:t>http</a:t>
-            </a:r>
+              <a:t>http://raspberrypi.local:1880/setgpio5</a:t>
+            </a:r>
+            <a:endParaRPr kumimoji="1" lang="en-US" altLang="zh-TW" dirty="0"/>
+          </a:p>
+          <a:p>
             <a:r>
               <a:rPr kumimoji="1" lang="en-US" altLang="zh-TW" dirty="0"/>
-              <a:t>://raspberrypi.local:1880/clear5</a:t>
+              <a:t>http://raspberrypi.local:1880/clear5</a:t>
             </a:r>
             <a:endParaRPr kumimoji="1" lang="zh-TW" altLang="en-US" dirty="0"/>
           </a:p>
@@ -8786,7 +8747,7 @@
           <a:lstStyle/>
           <a:p>
             <a:r>
-              <a:rPr kumimoji="1" lang="en-US" altLang="zh-TW" dirty="0" smtClean="0"/>
+              <a:rPr kumimoji="1" lang="en-US" altLang="zh-TW" dirty="0"/>
               <a:t>Sample Web Server</a:t>
             </a:r>
             <a:endParaRPr kumimoji="1" lang="zh-TW" altLang="en-US" dirty="0"/>
@@ -8845,11 +8806,11 @@
           <a:lstStyle/>
           <a:p>
             <a:r>
-              <a:rPr kumimoji="1" lang="zh-TW" altLang="en-US" dirty="0" smtClean="0"/>
+              <a:rPr kumimoji="1" lang="zh-TW" altLang="en-US" dirty="0"/>
               <a:t>建一個</a:t>
             </a:r>
             <a:r>
-              <a:rPr kumimoji="1" lang="en-US" altLang="zh-TW" dirty="0" smtClean="0"/>
+              <a:rPr kumimoji="1" lang="en-US" altLang="zh-TW" dirty="0"/>
               <a:t> Webserver, Input -&gt; http</a:t>
             </a:r>
             <a:endParaRPr kumimoji="1" lang="zh-TW" altLang="en-US" dirty="0"/>
@@ -8932,11 +8893,11 @@
           <a:lstStyle/>
           <a:p>
             <a:r>
-              <a:rPr kumimoji="1" lang="zh-TW" altLang="en-US" dirty="0" smtClean="0"/>
+              <a:rPr kumimoji="1" lang="zh-TW" altLang="en-US" dirty="0"/>
               <a:t>建立</a:t>
             </a:r>
             <a:r>
-              <a:rPr kumimoji="1" lang="en-US" altLang="zh-TW" dirty="0" smtClean="0"/>
+              <a:rPr kumimoji="1" lang="en-US" altLang="zh-TW" dirty="0"/>
               <a:t> Web Server</a:t>
             </a:r>
             <a:endParaRPr kumimoji="1" lang="zh-TW" altLang="en-US" dirty="0"/>
@@ -9038,10 +8999,9 @@
           <a:lstStyle/>
           <a:p>
             <a:r>
-              <a:rPr kumimoji="1" lang="zh-TW" altLang="en-US" dirty="0" smtClean="0"/>
+              <a:rPr kumimoji="1" lang="zh-TW" altLang="en-US" dirty="0"/>
               <a:t>產生回傳值</a:t>
             </a:r>
-            <a:endParaRPr kumimoji="1" lang="zh-TW" altLang="en-US" dirty="0"/>
           </a:p>
         </p:txBody>
       </p:sp>
@@ -9068,7 +9028,7 @@
           <a:lstStyle/>
           <a:p>
             <a:r>
-              <a:rPr kumimoji="1" lang="zh-TW" altLang="en-US" dirty="0" smtClean="0"/>
+              <a:rPr kumimoji="1" lang="zh-TW" altLang="en-US" dirty="0"/>
               <a:t>當連到</a:t>
             </a:r>
             <a:r>
@@ -9078,7 +9038,7 @@
               <a:t>http://</a:t>
             </a:r>
             <a:r>
-              <a:rPr kumimoji="1" lang="en-US" altLang="zh-TW" i="1" dirty="0" smtClean="0">
+              <a:rPr kumimoji="1" lang="en-US" altLang="zh-TW" i="1" dirty="0">
                 <a:solidFill>
                   <a:srgbClr val="FF0000"/>
                 </a:solidFill>
@@ -9087,35 +9047,35 @@
               <a:t>raspberry.local</a:t>
             </a:r>
             <a:r>
-              <a:rPr kumimoji="1" lang="en-US" altLang="zh-TW" dirty="0" smtClean="0">
+              <a:rPr kumimoji="1" lang="en-US" altLang="zh-TW" dirty="0">
                 <a:hlinkClick r:id="rId2"/>
               </a:rPr>
               <a:t>:1880/data</a:t>
             </a:r>
             <a:r>
-              <a:rPr kumimoji="1" lang="en-US" altLang="zh-TW" dirty="0" smtClean="0"/>
+              <a:rPr kumimoji="1" lang="en-US" altLang="zh-TW" dirty="0"/>
               <a:t> </a:t>
             </a:r>
             <a:r>
-              <a:rPr kumimoji="1" lang="zh-TW" altLang="en-US" dirty="0" smtClean="0"/>
+              <a:rPr kumimoji="1" lang="zh-TW" altLang="en-US" dirty="0"/>
               <a:t>傳回一</a:t>
             </a:r>
             <a:r>
-              <a:rPr kumimoji="1" lang="en-US" altLang="zh-TW" dirty="0" smtClean="0"/>
+              <a:rPr kumimoji="1" lang="en-US" altLang="zh-TW" dirty="0"/>
               <a:t> random </a:t>
             </a:r>
             <a:r>
-              <a:rPr kumimoji="1" lang="zh-TW" altLang="en-US" dirty="0" smtClean="0"/>
+              <a:rPr kumimoji="1" lang="zh-TW" altLang="en-US" dirty="0"/>
               <a:t>值</a:t>
             </a:r>
             <a:r>
-              <a:rPr kumimoji="1" lang="en-US" altLang="zh-TW" dirty="0" smtClean="0"/>
+              <a:rPr kumimoji="1" lang="en-US" altLang="zh-TW" dirty="0"/>
               <a:t> </a:t>
             </a:r>
           </a:p>
           <a:p>
             <a:r>
-              <a:rPr kumimoji="1" lang="en-US" altLang="zh-TW" dirty="0" smtClean="0"/>
+              <a:rPr kumimoji="1" lang="en-US" altLang="zh-TW" dirty="0"/>
               <a:t>Function -&gt; random</a:t>
             </a:r>
             <a:endParaRPr kumimoji="1" lang="zh-TW" altLang="en-US" dirty="0"/>
@@ -9198,10 +9158,9 @@
           <a:lstStyle/>
           <a:p>
             <a:r>
-              <a:rPr kumimoji="1" lang="zh-TW" altLang="en-US" dirty="0" smtClean="0"/>
+              <a:rPr kumimoji="1" lang="zh-TW" altLang="en-US" dirty="0"/>
               <a:t>傳值回去</a:t>
             </a:r>
-            <a:endParaRPr kumimoji="1" lang="zh-TW" altLang="en-US" dirty="0"/>
           </a:p>
         </p:txBody>
       </p:sp>
@@ -9228,7 +9187,7 @@
           <a:lstStyle/>
           <a:p>
             <a:r>
-              <a:rPr kumimoji="1" lang="en-US" altLang="zh-TW" dirty="0" smtClean="0"/>
+              <a:rPr kumimoji="1" lang="en-US" altLang="zh-TW" dirty="0"/>
               <a:t>Output -&gt; http response</a:t>
             </a:r>
             <a:endParaRPr kumimoji="1" lang="zh-TW" altLang="en-US" dirty="0"/>
@@ -9311,7 +9270,7 @@
           <a:lstStyle/>
           <a:p>
             <a:r>
-              <a:rPr kumimoji="1" lang="en-US" altLang="zh-TW" dirty="0" smtClean="0"/>
+              <a:rPr kumimoji="1" lang="en-US" altLang="zh-TW" dirty="0"/>
               <a:t>Test</a:t>
             </a:r>
             <a:endParaRPr kumimoji="1" lang="zh-TW" altLang="en-US" dirty="0"/>
@@ -9368,16 +9327,10 @@
           <a:lstStyle/>
           <a:p>
             <a:r>
-              <a:rPr kumimoji="1" lang="en-US" altLang="zh-TW" dirty="0" smtClean="0">
-                <a:hlinkClick r:id="rId3"/>
-              </a:rPr>
-              <a:t>URL: http</a:t>
-            </a:r>
-            <a:r>
               <a:rPr kumimoji="1" lang="en-US" altLang="zh-TW" dirty="0">
                 <a:hlinkClick r:id="rId3"/>
               </a:rPr>
-              <a:t>://</a:t>
+              <a:t>URL: http://</a:t>
             </a:r>
             <a:r>
               <a:rPr kumimoji="1" lang="en-US" altLang="zh-TW" i="1" dirty="0">
@@ -9444,37 +9397,28 @@
           <a:lstStyle/>
           <a:p>
             <a:r>
-              <a:rPr kumimoji="1" lang="zh-TW" altLang="en-US" dirty="0" smtClean="0"/>
+              <a:rPr kumimoji="1" lang="zh-TW" altLang="en-US" dirty="0"/>
               <a:t>建立</a:t>
             </a:r>
             <a:r>
-              <a:rPr kumimoji="1" lang="en-US" altLang="zh-TW" dirty="0" smtClean="0"/>
+              <a:rPr kumimoji="1" lang="en-US" altLang="zh-TW" dirty="0"/>
               <a:t> Web Server </a:t>
             </a:r>
-            <a:r>
-              <a:rPr kumimoji="1" lang="en-US" altLang="zh-TW" dirty="0" smtClean="0"/>
-              <a:t/>
-            </a:r>
             <a:br>
-              <a:rPr kumimoji="1" lang="en-US" altLang="zh-TW" dirty="0" smtClean="0"/>
+              <a:rPr kumimoji="1" lang="en-US" altLang="zh-TW" dirty="0"/>
             </a:br>
             <a:r>
-              <a:rPr kumimoji="1" lang="zh-TW" altLang="en-US" dirty="0" smtClean="0"/>
+              <a:rPr kumimoji="1" lang="zh-TW" altLang="en-US" dirty="0"/>
               <a:t>傳回</a:t>
             </a:r>
             <a:r>
-              <a:rPr kumimoji="1" lang="en-US" altLang="zh-TW" dirty="0" smtClean="0"/>
-              <a:t> </a:t>
-            </a:r>
-            <a:r>
-              <a:rPr kumimoji="1" lang="en-US" altLang="zh-TW" dirty="0" smtClean="0"/>
-              <a:t>GPIO </a:t>
-            </a:r>
-            <a:r>
-              <a:rPr kumimoji="1" lang="zh-TW" altLang="en-US" dirty="0" smtClean="0"/>
+              <a:rPr kumimoji="1" lang="en-US" altLang="zh-TW" dirty="0"/>
+              <a:t> GPIO </a:t>
+            </a:r>
+            <a:r>
+              <a:rPr kumimoji="1" lang="zh-TW" altLang="en-US" dirty="0"/>
               <a:t>狀態</a:t>
             </a:r>
-            <a:endParaRPr kumimoji="1" lang="zh-TW" altLang="en-US" dirty="0"/>
           </a:p>
         </p:txBody>
       </p:sp>
@@ -9543,11 +9487,11 @@
           <a:lstStyle/>
           <a:p>
             <a:r>
-              <a:rPr kumimoji="1" lang="zh-TW" altLang="en-US" dirty="0" smtClean="0"/>
+              <a:rPr kumimoji="1" lang="zh-TW" altLang="en-US" dirty="0"/>
               <a:t>建立</a:t>
             </a:r>
             <a:r>
-              <a:rPr kumimoji="1" lang="en-US" altLang="zh-TW" dirty="0" smtClean="0"/>
+              <a:rPr kumimoji="1" lang="en-US" altLang="zh-TW" dirty="0"/>
               <a:t> Web Server</a:t>
             </a:r>
             <a:endParaRPr kumimoji="1" lang="zh-TW" altLang="en-US" dirty="0"/>
@@ -9575,15 +9519,11 @@
           <a:lstStyle/>
           <a:p>
             <a:r>
-              <a:rPr kumimoji="1" lang="en-US" altLang="zh-TW" dirty="0" smtClean="0"/>
-              <a:t>URL: http</a:t>
-            </a:r>
-            <a:r>
-              <a:rPr kumimoji="1" lang="en-US" altLang="zh-TW" dirty="0" smtClean="0"/>
-              <a:t>://</a:t>
-            </a:r>
-            <a:r>
-              <a:rPr kumimoji="1" lang="en-US" altLang="zh-TW" i="1" dirty="0" smtClean="0">
+              <a:rPr kumimoji="1" lang="en-US" altLang="zh-TW" dirty="0"/>
+              <a:t>URL: http://</a:t>
+            </a:r>
+            <a:r>
+              <a:rPr kumimoji="1" lang="en-US" altLang="zh-TW" i="1" dirty="0">
                 <a:solidFill>
                   <a:srgbClr val="FF0000"/>
                 </a:solidFill>
@@ -9591,7 +9531,7 @@
               <a:t>raspberrypi.local</a:t>
             </a:r>
             <a:r>
-              <a:rPr kumimoji="1" lang="en-US" altLang="zh-TW" dirty="0" smtClean="0"/>
+              <a:rPr kumimoji="1" lang="en-US" altLang="zh-TW" dirty="0"/>
               <a:t>:1880/pin4</a:t>
             </a:r>
             <a:endParaRPr kumimoji="1" lang="zh-TW" altLang="en-US" dirty="0"/>
